--- a/OpenPlazaCS360Lab/Presentations/OpenPlaza.pptx
+++ b/OpenPlazaCS360Lab/Presentations/OpenPlaza.pptx
@@ -15,9 +15,9 @@
     <p:sldId id="312" r:id="rId6"/>
     <p:sldId id="319" r:id="rId7"/>
     <p:sldId id="325" r:id="rId8"/>
-    <p:sldId id="323" r:id="rId9"/>
-    <p:sldId id="322" r:id="rId10"/>
-    <p:sldId id="326" r:id="rId11"/>
+    <p:sldId id="327" r:id="rId9"/>
+    <p:sldId id="323" r:id="rId10"/>
+    <p:sldId id="322" r:id="rId11"/>
     <p:sldId id="321" r:id="rId12"/>
   </p:sldIdLst>
   <p:sldSz cx="12192000" cy="6858000"/>
@@ -239,7 +239,7 @@
           <a:p>
             <a:fld id="{B149A72A-4651-45C7-9E42-35BFFD46D92F}" type="datetimeFigureOut">
               <a:rPr lang="en-US" smtClean="0"/>
-              <a:t>3/3/2025</a:t>
+              <a:t>3/4/2025</a:t>
             </a:fld>
             <a:endParaRPr lang="en-US" dirty="0"/>
           </a:p>
@@ -416,7 +416,7 @@
           <a:p>
             <a:fld id="{9D849352-39CB-486C-AEA5-5D17795DD0C7}" type="datetimeFigureOut">
               <a:rPr lang="en-US" smtClean="0"/>
-              <a:t>3/3/2025</a:t>
+              <a:t>3/4/2025</a:t>
             </a:fld>
             <a:endParaRPr lang="en-US" dirty="0"/>
           </a:p>
@@ -8525,6 +8525,44 @@
               <a:t>PHP/MySQL for backend database administration and organization.</a:t>
             </a:r>
           </a:p>
+          <a:p>
+            <a:pPr marL="342900" indent="-342900">
+              <a:buFont typeface="Arial" panose="020B0604020202020204" pitchFamily="34" charset="0"/>
+              <a:buChar char="•"/>
+            </a:pPr>
+            <a:endParaRPr lang="en-US" sz="2400" dirty="0"/>
+          </a:p>
+          <a:p>
+            <a:pPr marL="342900" indent="-342900">
+              <a:buFont typeface="Arial" panose="020B0604020202020204" pitchFamily="34" charset="0"/>
+              <a:buChar char="•"/>
+            </a:pPr>
+            <a:r>
+              <a:rPr lang="en-US" sz="2400" dirty="0" err="1"/>
+              <a:t>phpmyadmin</a:t>
+            </a:r>
+            <a:r>
+              <a:rPr lang="en-US" sz="2400" dirty="0"/>
+              <a:t> for database management.</a:t>
+            </a:r>
+          </a:p>
+          <a:p>
+            <a:pPr marL="342900" indent="-342900">
+              <a:buFont typeface="Arial" panose="020B0604020202020204" pitchFamily="34" charset="0"/>
+              <a:buChar char="•"/>
+            </a:pPr>
+            <a:endParaRPr lang="en-US" sz="2400" dirty="0"/>
+          </a:p>
+          <a:p>
+            <a:pPr marL="342900" indent="-342900">
+              <a:buFont typeface="Arial" panose="020B0604020202020204" pitchFamily="34" charset="0"/>
+              <a:buChar char="•"/>
+            </a:pPr>
+            <a:r>
+              <a:rPr lang="en-US" sz="2400" dirty="0"/>
+              <a:t>XAMPP for server connection.</a:t>
+            </a:r>
+          </a:p>
         </p:txBody>
       </p:sp>
       <p:sp>
@@ -8648,7 +8686,7 @@
             </a:pPr>
             <a:r>
               <a:rPr lang="en-US" sz="2400" dirty="0"/>
-              <a:t>MySQL database will keep track of purchases and users from unique IDs.</a:t>
+              <a:t>Database with several tables that keeps track of individual aspects of the transaction process.</a:t>
             </a:r>
           </a:p>
           <a:p>
@@ -8665,7 +8703,7 @@
             </a:pPr>
             <a:r>
               <a:rPr lang="en-US" sz="2400" dirty="0"/>
-              <a:t>HTML and PHP will be used to construct frontend interfaces.</a:t>
+              <a:t>These tables handle the user data, the information about their purchases, and the listings of their products.</a:t>
             </a:r>
           </a:p>
           <a:p>
@@ -8682,7 +8720,7 @@
             </a:pPr>
             <a:r>
               <a:rPr lang="en-US" sz="2400" dirty="0"/>
-              <a:t>PHP/MySQL for backend database administration and organization.</a:t>
+              <a:t>The front end allows users to create a profile, then add listings or make purchases via a Cart.</a:t>
             </a:r>
           </a:p>
         </p:txBody>
@@ -8731,6 +8769,163 @@
 </file>
 
 <file path=ppt/slides/slide5.xml><?xml version="1.0" encoding="utf-8"?>
+<p:sld xmlns:a="http://schemas.openxmlformats.org/drawingml/2006/main" xmlns:r="http://schemas.openxmlformats.org/officeDocument/2006/relationships" xmlns:p="http://schemas.openxmlformats.org/presentationml/2006/main">
+  <p:cSld>
+    <p:spTree>
+      <p:nvGrpSpPr>
+        <p:cNvPr id="1" name="">
+          <a:extLst>
+            <a:ext uri="{FF2B5EF4-FFF2-40B4-BE49-F238E27FC236}">
+              <a16:creationId xmlns:a16="http://schemas.microsoft.com/office/drawing/2014/main" id="{EAE76170-0AB5-D1A0-5020-C6008EE7F4A6}"/>
+            </a:ext>
+          </a:extLst>
+        </p:cNvPr>
+        <p:cNvGrpSpPr/>
+        <p:nvPr/>
+      </p:nvGrpSpPr>
+      <p:grpSpPr>
+        <a:xfrm>
+          <a:off x="0" y="0"/>
+          <a:ext cx="0" cy="0"/>
+          <a:chOff x="0" y="0"/>
+          <a:chExt cx="0" cy="0"/>
+        </a:xfrm>
+      </p:grpSpPr>
+      <p:sp>
+        <p:nvSpPr>
+          <p:cNvPr id="2" name="Title 1">
+            <a:extLst>
+              <a:ext uri="{FF2B5EF4-FFF2-40B4-BE49-F238E27FC236}">
+                <a16:creationId xmlns:a16="http://schemas.microsoft.com/office/drawing/2014/main" id="{8E6E33FE-8338-3170-FB23-6A0AF3066543}"/>
+              </a:ext>
+            </a:extLst>
+          </p:cNvPr>
+          <p:cNvSpPr>
+            <a:spLocks noGrp="1"/>
+          </p:cNvSpPr>
+          <p:nvPr>
+            <p:ph type="title"/>
+          </p:nvPr>
+        </p:nvSpPr>
+        <p:spPr/>
+        <p:txBody>
+          <a:bodyPr/>
+          <a:lstStyle/>
+          <a:p>
+            <a:r>
+              <a:rPr lang="en-US" dirty="0"/>
+              <a:t>Progress So far</a:t>
+            </a:r>
+          </a:p>
+        </p:txBody>
+      </p:sp>
+      <p:sp>
+        <p:nvSpPr>
+          <p:cNvPr id="3" name="Content Placeholder 2">
+            <a:extLst>
+              <a:ext uri="{FF2B5EF4-FFF2-40B4-BE49-F238E27FC236}">
+                <a16:creationId xmlns:a16="http://schemas.microsoft.com/office/drawing/2014/main" id="{231EA5F8-D081-1772-0B57-9649B5A12853}"/>
+              </a:ext>
+            </a:extLst>
+          </p:cNvPr>
+          <p:cNvSpPr>
+            <a:spLocks noGrp="1"/>
+          </p:cNvSpPr>
+          <p:nvPr>
+            <p:ph idx="13"/>
+          </p:nvPr>
+        </p:nvSpPr>
+        <p:spPr>
+          <a:xfrm>
+            <a:off x="975360" y="2079371"/>
+            <a:ext cx="10116615" cy="3776596"/>
+          </a:xfrm>
+        </p:spPr>
+        <p:txBody>
+          <a:bodyPr/>
+          <a:lstStyle/>
+          <a:p>
+            <a:endParaRPr lang="en-US" sz="2400" dirty="0"/>
+          </a:p>
+          <a:p>
+            <a:pPr marL="342900" indent="-342900">
+              <a:buFont typeface="Arial" panose="020B0604020202020204" pitchFamily="34" charset="0"/>
+              <a:buChar char="•"/>
+            </a:pPr>
+            <a:r>
+              <a:rPr lang="en-US" sz="2400" dirty="0"/>
+              <a:t>Product listing page, Cart, User Registration all connect through the </a:t>
+            </a:r>
+            <a:r>
+              <a:rPr lang="en-US" sz="2400" dirty="0" err="1"/>
+              <a:t>openplaza</a:t>
+            </a:r>
+            <a:r>
+              <a:rPr lang="en-US" sz="2400" dirty="0"/>
+              <a:t> MySQL database.</a:t>
+            </a:r>
+          </a:p>
+          <a:p>
+            <a:pPr marL="342900" indent="-342900">
+              <a:buFont typeface="Arial" panose="020B0604020202020204" pitchFamily="34" charset="0"/>
+              <a:buChar char="•"/>
+            </a:pPr>
+            <a:endParaRPr lang="en-US" sz="2400" dirty="0"/>
+          </a:p>
+          <a:p>
+            <a:pPr marL="342900" indent="-342900">
+              <a:buFont typeface="Arial" panose="020B0604020202020204" pitchFamily="34" charset="0"/>
+              <a:buChar char="•"/>
+            </a:pPr>
+            <a:r>
+              <a:rPr lang="en-US" sz="2400" dirty="0"/>
+              <a:t>Functional frontend that allows interface with the current backend operations.</a:t>
+            </a:r>
+          </a:p>
+          <a:p>
+            <a:pPr marL="342900" indent="-342900">
+              <a:buFont typeface="Arial" panose="020B0604020202020204" pitchFamily="34" charset="0"/>
+              <a:buChar char="•"/>
+            </a:pPr>
+            <a:endParaRPr lang="en-US" sz="2400" dirty="0"/>
+          </a:p>
+          <a:p>
+            <a:pPr marL="342900" indent="-342900">
+              <a:buFont typeface="Arial" panose="020B0604020202020204" pitchFamily="34" charset="0"/>
+              <a:buChar char="•"/>
+            </a:pPr>
+            <a:endParaRPr lang="en-US" dirty="0"/>
+          </a:p>
+          <a:p>
+            <a:pPr marL="342900" indent="-342900">
+              <a:buFont typeface="Arial" panose="020B0604020202020204" pitchFamily="34" charset="0"/>
+              <a:buChar char="•"/>
+            </a:pPr>
+            <a:endParaRPr lang="en-US" dirty="0"/>
+          </a:p>
+          <a:p>
+            <a:pPr marL="342900" indent="-342900">
+              <a:buFont typeface="Arial" panose="020B0604020202020204" pitchFamily="34" charset="0"/>
+              <a:buChar char="•"/>
+            </a:pPr>
+            <a:endParaRPr lang="en-US" dirty="0"/>
+          </a:p>
+        </p:txBody>
+      </p:sp>
+    </p:spTree>
+    <p:extLst>
+      <p:ext uri="{BB962C8B-B14F-4D97-AF65-F5344CB8AC3E}">
+        <p14:creationId xmlns:p14="http://schemas.microsoft.com/office/powerpoint/2010/main" val="1442945852"/>
+      </p:ext>
+    </p:extLst>
+  </p:cSld>
+  <p:clrMapOvr>
+    <a:masterClrMapping/>
+  </p:clrMapOvr>
+</p:sld>
+</file>
+
+<file path=ppt/slides/slide6.xml><?xml version="1.0" encoding="utf-8"?>
 <p:sld xmlns:a="http://schemas.openxmlformats.org/drawingml/2006/main" xmlns:r="http://schemas.openxmlformats.org/officeDocument/2006/relationships" xmlns:p="http://schemas.openxmlformats.org/presentationml/2006/main">
   <p:cSld>
     <p:spTree>
@@ -8813,7 +9008,7 @@
             </a:pPr>
             <a:r>
               <a:rPr lang="en-US" sz="2400" dirty="0"/>
-              <a:t>Finalizing construction of database and query system.</a:t>
+              <a:t>Frontend development for sleek interface.</a:t>
             </a:r>
           </a:p>
           <a:p>
@@ -8830,35 +9025,38 @@
             </a:pPr>
             <a:r>
               <a:rPr lang="en-US" sz="2400" dirty="0"/>
-              <a:t>Conflicts using the app in cross-platform environments.</a:t>
-            </a:r>
-          </a:p>
-          <a:p>
-            <a:endParaRPr lang="en-US" sz="2400" dirty="0"/>
+              <a:t>Finalizing construction of backend.</a:t>
+            </a:r>
           </a:p>
           <a:p>
             <a:pPr marL="342900" indent="-342900">
               <a:buFont typeface="Arial" panose="020B0604020202020204" pitchFamily="34" charset="0"/>
               <a:buChar char="•"/>
             </a:pPr>
-            <a:r>
-              <a:rPr lang="en-US" sz="2400" dirty="0"/>
-              <a:t>Improving user security.</a:t>
-            </a:r>
+            <a:endParaRPr lang="en-US" sz="2400" dirty="0"/>
           </a:p>
           <a:p>
             <a:pPr marL="342900" indent="-342900">
               <a:buFont typeface="Arial" panose="020B0604020202020204" pitchFamily="34" charset="0"/>
               <a:buChar char="•"/>
             </a:pPr>
-            <a:endParaRPr lang="en-US" dirty="0"/>
+            <a:r>
+              <a:rPr lang="en-US" sz="2400" dirty="0"/>
+              <a:t>Conflicts using the app in cross-platform environments.</a:t>
+            </a:r>
+          </a:p>
+          <a:p>
+            <a:endParaRPr lang="en-US" sz="2400" dirty="0"/>
           </a:p>
           <a:p>
             <a:pPr marL="342900" indent="-342900">
               <a:buFont typeface="Arial" panose="020B0604020202020204" pitchFamily="34" charset="0"/>
               <a:buChar char="•"/>
             </a:pPr>
-            <a:endParaRPr lang="en-US" dirty="0"/>
+            <a:r>
+              <a:rPr lang="en-US" sz="2400" dirty="0"/>
+              <a:t>Improving user security.</a:t>
+            </a:r>
           </a:p>
           <a:p>
             <a:pPr marL="342900" indent="-342900">
@@ -8881,34 +9079,18 @@
             </a:pPr>
             <a:endParaRPr lang="en-US" dirty="0"/>
           </a:p>
-        </p:txBody>
-      </p:sp>
-      <p:sp>
-        <p:nvSpPr>
-          <p:cNvPr id="5" name="Slide Number Placeholder 4">
-            <a:extLst>
-              <a:ext uri="{FF2B5EF4-FFF2-40B4-BE49-F238E27FC236}">
-                <a16:creationId xmlns:a16="http://schemas.microsoft.com/office/drawing/2014/main" id="{36662FD3-F851-CB65-6DB5-BD891D596F35}"/>
-              </a:ext>
-            </a:extLst>
-          </p:cNvPr>
-          <p:cNvSpPr>
-            <a:spLocks noGrp="1"/>
-          </p:cNvSpPr>
-          <p:nvPr>
-            <p:ph type="sldNum" sz="quarter" idx="12"/>
-          </p:nvPr>
-        </p:nvSpPr>
-        <p:spPr/>
-        <p:txBody>
-          <a:bodyPr/>
-          <a:lstStyle/>
-          <a:p>
-            <a:fld id="{C01389E6-C847-4AD0-B56D-D205B2EAB1EE}" type="slidenum">
-              <a:rPr lang="en-US" smtClean="0"/>
-              <a:pPr/>
-              <a:t>5</a:t>
-            </a:fld>
+          <a:p>
+            <a:pPr marL="342900" indent="-342900">
+              <a:buFont typeface="Arial" panose="020B0604020202020204" pitchFamily="34" charset="0"/>
+              <a:buChar char="•"/>
+            </a:pPr>
+            <a:endParaRPr lang="en-US" dirty="0"/>
+          </a:p>
+          <a:p>
+            <a:pPr marL="342900" indent="-342900">
+              <a:buFont typeface="Arial" panose="020B0604020202020204" pitchFamily="34" charset="0"/>
+              <a:buChar char="•"/>
+            </a:pPr>
             <a:endParaRPr lang="en-US" dirty="0"/>
           </a:p>
         </p:txBody>
@@ -8926,7 +9108,7 @@
 </p:sld>
 </file>
 
-<file path=ppt/slides/slide6.xml><?xml version="1.0" encoding="utf-8"?>
+<file path=ppt/slides/slide7.xml><?xml version="1.0" encoding="utf-8"?>
 <p:sld xmlns:a="http://schemas.openxmlformats.org/drawingml/2006/main" xmlns:r="http://schemas.openxmlformats.org/officeDocument/2006/relationships" xmlns:p="http://schemas.openxmlformats.org/presentationml/2006/main">
   <p:cSld>
     <p:spTree>
@@ -9009,7 +9191,7 @@
             </a:pPr>
             <a:r>
               <a:rPr lang="en-US" sz="2400" dirty="0"/>
-              <a:t>A functional database platform that allows for users to create accounts and trade products anonymously.</a:t>
+              <a:t>A functional e-commerce platform that will allow multiple users to post products and make purchases.</a:t>
             </a:r>
           </a:p>
           <a:p>
@@ -9026,75 +9208,22 @@
             </a:pPr>
             <a:r>
               <a:rPr lang="en-US" sz="2400" dirty="0"/>
-              <a:t>An eight-page status and research report regarding the technology used.</a:t>
-            </a:r>
+              <a:t>A database that can store and retrieve information on the users, their products, and their transactions.</a:t>
+            </a:r>
+            <a:endParaRPr lang="en-US" dirty="0"/>
           </a:p>
           <a:p>
             <a:pPr marL="342900" indent="-342900">
               <a:buFont typeface="Arial" panose="020B0604020202020204" pitchFamily="34" charset="0"/>
               <a:buChar char="•"/>
             </a:pPr>
-            <a:endParaRPr lang="en-US" sz="2400" dirty="0"/>
+            <a:endParaRPr lang="en-US" dirty="0"/>
           </a:p>
           <a:p>
             <a:pPr marL="342900" indent="-342900">
               <a:buFont typeface="Arial" panose="020B0604020202020204" pitchFamily="34" charset="0"/>
               <a:buChar char="•"/>
             </a:pPr>
-            <a:r>
-              <a:rPr lang="en-US" sz="2400" dirty="0"/>
-              <a:t>Experience in using SQL in a practical fashion.</a:t>
-            </a:r>
-          </a:p>
-          <a:p>
-            <a:pPr marL="342900" indent="-342900">
-              <a:buFont typeface="Arial" panose="020B0604020202020204" pitchFamily="34" charset="0"/>
-              <a:buChar char="•"/>
-            </a:pPr>
-            <a:endParaRPr lang="en-US" dirty="0"/>
-          </a:p>
-          <a:p>
-            <a:pPr marL="342900" indent="-342900">
-              <a:buFont typeface="Arial" panose="020B0604020202020204" pitchFamily="34" charset="0"/>
-              <a:buChar char="•"/>
-            </a:pPr>
-            <a:endParaRPr lang="en-US" dirty="0"/>
-          </a:p>
-          <a:p>
-            <a:pPr marL="342900" indent="-342900">
-              <a:buFont typeface="Arial" panose="020B0604020202020204" pitchFamily="34" charset="0"/>
-              <a:buChar char="•"/>
-            </a:pPr>
-            <a:endParaRPr lang="en-US" dirty="0"/>
-          </a:p>
-        </p:txBody>
-      </p:sp>
-      <p:sp>
-        <p:nvSpPr>
-          <p:cNvPr id="5" name="Slide Number Placeholder 4">
-            <a:extLst>
-              <a:ext uri="{FF2B5EF4-FFF2-40B4-BE49-F238E27FC236}">
-                <a16:creationId xmlns:a16="http://schemas.microsoft.com/office/drawing/2014/main" id="{E7326B8A-F38A-8A57-F4F7-FD89835E74CD}"/>
-              </a:ext>
-            </a:extLst>
-          </p:cNvPr>
-          <p:cNvSpPr>
-            <a:spLocks noGrp="1"/>
-          </p:cNvSpPr>
-          <p:nvPr>
-            <p:ph type="sldNum" sz="quarter" idx="12"/>
-          </p:nvPr>
-        </p:nvSpPr>
-        <p:spPr/>
-        <p:txBody>
-          <a:bodyPr/>
-          <a:lstStyle/>
-          <a:p>
-            <a:fld id="{C01389E6-C847-4AD0-B56D-D205B2EAB1EE}" type="slidenum">
-              <a:rPr lang="en-US" smtClean="0"/>
-              <a:pPr/>
-              <a:t>6</a:t>
-            </a:fld>
             <a:endParaRPr lang="en-US" dirty="0"/>
           </a:p>
         </p:txBody>
@@ -9103,192 +9232,6 @@
     <p:extLst>
       <p:ext uri="{BB962C8B-B14F-4D97-AF65-F5344CB8AC3E}">
         <p14:creationId xmlns:p14="http://schemas.microsoft.com/office/powerpoint/2010/main" val="4173077451"/>
-      </p:ext>
-    </p:extLst>
-  </p:cSld>
-  <p:clrMapOvr>
-    <a:masterClrMapping/>
-  </p:clrMapOvr>
-</p:sld>
-</file>
-
-<file path=ppt/slides/slide7.xml><?xml version="1.0" encoding="utf-8"?>
-<p:sld xmlns:a="http://schemas.openxmlformats.org/drawingml/2006/main" xmlns:r="http://schemas.openxmlformats.org/officeDocument/2006/relationships" xmlns:p="http://schemas.openxmlformats.org/presentationml/2006/main">
-  <p:cSld>
-    <p:spTree>
-      <p:nvGrpSpPr>
-        <p:cNvPr id="1" name="">
-          <a:extLst>
-            <a:ext uri="{FF2B5EF4-FFF2-40B4-BE49-F238E27FC236}">
-              <a16:creationId xmlns:a16="http://schemas.microsoft.com/office/drawing/2014/main" id="{C64C99B3-6860-029D-3DA7-0C8136CC7C56}"/>
-            </a:ext>
-          </a:extLst>
-        </p:cNvPr>
-        <p:cNvGrpSpPr/>
-        <p:nvPr/>
-      </p:nvGrpSpPr>
-      <p:grpSpPr>
-        <a:xfrm>
-          <a:off x="0" y="0"/>
-          <a:ext cx="0" cy="0"/>
-          <a:chOff x="0" y="0"/>
-          <a:chExt cx="0" cy="0"/>
-        </a:xfrm>
-      </p:grpSpPr>
-      <p:sp>
-        <p:nvSpPr>
-          <p:cNvPr id="2" name="Title 1">
-            <a:extLst>
-              <a:ext uri="{FF2B5EF4-FFF2-40B4-BE49-F238E27FC236}">
-                <a16:creationId xmlns:a16="http://schemas.microsoft.com/office/drawing/2014/main" id="{E97E17A3-73FA-F401-7D44-D27F097FA71E}"/>
-              </a:ext>
-            </a:extLst>
-          </p:cNvPr>
-          <p:cNvSpPr>
-            <a:spLocks noGrp="1"/>
-          </p:cNvSpPr>
-          <p:nvPr>
-            <p:ph type="title"/>
-          </p:nvPr>
-        </p:nvSpPr>
-        <p:spPr/>
-        <p:txBody>
-          <a:bodyPr/>
-          <a:lstStyle/>
-          <a:p>
-            <a:r>
-              <a:rPr lang="en-US" dirty="0"/>
-              <a:t>Expected outcomes</a:t>
-            </a:r>
-          </a:p>
-        </p:txBody>
-      </p:sp>
-      <p:sp>
-        <p:nvSpPr>
-          <p:cNvPr id="3" name="Content Placeholder 2">
-            <a:extLst>
-              <a:ext uri="{FF2B5EF4-FFF2-40B4-BE49-F238E27FC236}">
-                <a16:creationId xmlns:a16="http://schemas.microsoft.com/office/drawing/2014/main" id="{7CFFC3C1-2BC7-C1CE-3BAC-CC4F0236FB91}"/>
-              </a:ext>
-            </a:extLst>
-          </p:cNvPr>
-          <p:cNvSpPr>
-            <a:spLocks noGrp="1"/>
-          </p:cNvSpPr>
-          <p:nvPr>
-            <p:ph idx="13"/>
-          </p:nvPr>
-        </p:nvSpPr>
-        <p:spPr>
-          <a:xfrm>
-            <a:off x="974171" y="2441273"/>
-            <a:ext cx="10116615" cy="3776596"/>
-          </a:xfrm>
-        </p:spPr>
-        <p:txBody>
-          <a:bodyPr/>
-          <a:lstStyle/>
-          <a:p>
-            <a:pPr marL="342900" indent="-342900">
-              <a:buFont typeface="Arial" panose="020B0604020202020204" pitchFamily="34" charset="0"/>
-              <a:buChar char="•"/>
-            </a:pPr>
-            <a:r>
-              <a:rPr lang="en-US" sz="2400" dirty="0"/>
-              <a:t>A functional database platform that allows for users to create accounts and trade products anonymously.</a:t>
-            </a:r>
-          </a:p>
-          <a:p>
-            <a:pPr marL="342900" indent="-342900">
-              <a:buFont typeface="Arial" panose="020B0604020202020204" pitchFamily="34" charset="0"/>
-              <a:buChar char="•"/>
-            </a:pPr>
-            <a:endParaRPr lang="en-US" sz="2400" dirty="0"/>
-          </a:p>
-          <a:p>
-            <a:pPr marL="342900" indent="-342900">
-              <a:buFont typeface="Arial" panose="020B0604020202020204" pitchFamily="34" charset="0"/>
-              <a:buChar char="•"/>
-            </a:pPr>
-            <a:r>
-              <a:rPr lang="en-US" sz="2400" dirty="0"/>
-              <a:t>An eight-page status and research report regarding the technology used.</a:t>
-            </a:r>
-          </a:p>
-          <a:p>
-            <a:pPr marL="342900" indent="-342900">
-              <a:buFont typeface="Arial" panose="020B0604020202020204" pitchFamily="34" charset="0"/>
-              <a:buChar char="•"/>
-            </a:pPr>
-            <a:endParaRPr lang="en-US" sz="2400" dirty="0"/>
-          </a:p>
-          <a:p>
-            <a:pPr marL="342900" indent="-342900">
-              <a:buFont typeface="Arial" panose="020B0604020202020204" pitchFamily="34" charset="0"/>
-              <a:buChar char="•"/>
-            </a:pPr>
-            <a:r>
-              <a:rPr lang="en-US" sz="2400" dirty="0"/>
-              <a:t>Experience in using SQL in a practical fashion.</a:t>
-            </a:r>
-          </a:p>
-          <a:p>
-            <a:pPr marL="342900" indent="-342900">
-              <a:buFont typeface="Arial" panose="020B0604020202020204" pitchFamily="34" charset="0"/>
-              <a:buChar char="•"/>
-            </a:pPr>
-            <a:endParaRPr lang="en-US" dirty="0"/>
-          </a:p>
-          <a:p>
-            <a:pPr marL="342900" indent="-342900">
-              <a:buFont typeface="Arial" panose="020B0604020202020204" pitchFamily="34" charset="0"/>
-              <a:buChar char="•"/>
-            </a:pPr>
-            <a:endParaRPr lang="en-US" dirty="0"/>
-          </a:p>
-          <a:p>
-            <a:pPr marL="342900" indent="-342900">
-              <a:buFont typeface="Arial" panose="020B0604020202020204" pitchFamily="34" charset="0"/>
-              <a:buChar char="•"/>
-            </a:pPr>
-            <a:endParaRPr lang="en-US" dirty="0"/>
-          </a:p>
-        </p:txBody>
-      </p:sp>
-      <p:sp>
-        <p:nvSpPr>
-          <p:cNvPr id="5" name="Slide Number Placeholder 4">
-            <a:extLst>
-              <a:ext uri="{FF2B5EF4-FFF2-40B4-BE49-F238E27FC236}">
-                <a16:creationId xmlns:a16="http://schemas.microsoft.com/office/drawing/2014/main" id="{67DD34C2-2072-1438-226C-D4BCB995006C}"/>
-              </a:ext>
-            </a:extLst>
-          </p:cNvPr>
-          <p:cNvSpPr>
-            <a:spLocks noGrp="1"/>
-          </p:cNvSpPr>
-          <p:nvPr>
-            <p:ph type="sldNum" sz="quarter" idx="12"/>
-          </p:nvPr>
-        </p:nvSpPr>
-        <p:spPr/>
-        <p:txBody>
-          <a:bodyPr/>
-          <a:lstStyle/>
-          <a:p>
-            <a:fld id="{C01389E6-C847-4AD0-B56D-D205B2EAB1EE}" type="slidenum">
-              <a:rPr lang="en-US" smtClean="0"/>
-              <a:pPr/>
-              <a:t>7</a:t>
-            </a:fld>
-            <a:endParaRPr lang="en-US" dirty="0"/>
-          </a:p>
-        </p:txBody>
-      </p:sp>
-    </p:spTree>
-    <p:extLst>
-      <p:ext uri="{BB962C8B-B14F-4D97-AF65-F5344CB8AC3E}">
-        <p14:creationId xmlns:p14="http://schemas.microsoft.com/office/powerpoint/2010/main" val="924914071"/>
       </p:ext>
     </p:extLst>
   </p:cSld>
@@ -10477,15 +10420,6 @@
 </file>
 
 <file path=customXml/item1.xml><?xml version="1.0" encoding="utf-8"?>
-<?mso-contentType ?>
-<FormTemplates xmlns="http://schemas.microsoft.com/sharepoint/v3/contenttype/forms">
-  <Display>DocumentLibraryForm</Display>
-  <Edit>DocumentLibraryForm</Edit>
-  <New>DocumentLibraryForm</New>
-</FormTemplates>
-</file>
-
-<file path=customXml/item2.xml><?xml version="1.0" encoding="utf-8"?>
 <ct:contentTypeSchema xmlns:ct="http://schemas.microsoft.com/office/2006/metadata/contentType" xmlns:ma="http://schemas.microsoft.com/office/2006/metadata/properties/metaAttributes" ct:_="" ma:_="" ma:contentTypeName="Document" ma:contentTypeID="0x01010079F111ED35F8CC479449609E8A0923A6" ma:contentTypeVersion="28" ma:contentTypeDescription="Create a new document." ma:contentTypeScope="" ma:versionID="60f5a4f2d2b0abadcf532d48ebf9cb71">
   <xsd:schema xmlns:xsd="http://www.w3.org/2001/XMLSchema" xmlns:xs="http://www.w3.org/2001/XMLSchema" xmlns:p="http://schemas.microsoft.com/office/2006/metadata/properties" xmlns:ns1="http://schemas.microsoft.com/sharepoint/v3" xmlns:ns2="71af3243-3dd4-4a8d-8c0d-dd76da1f02a5" xmlns:ns3="16c05727-aa75-4e4a-9b5f-8a80a1165891" xmlns:ns4="230e9df3-be65-4c73-a93b-d1236ebd677e" targetNamespace="http://schemas.microsoft.com/office/2006/metadata/properties" ma:root="true" ma:fieldsID="7dd78129e6a1811f84807ad11c651531" ns1:_="" ns2:_="" ns3:_="" ns4:_="">
     <xsd:import namespace="http://schemas.microsoft.com/sharepoint/v3"/>
@@ -10797,6 +10731,15 @@
 </ct:contentTypeSchema>
 </file>
 
+<file path=customXml/item2.xml><?xml version="1.0" encoding="utf-8"?>
+<?mso-contentType ?>
+<FormTemplates xmlns="http://schemas.microsoft.com/sharepoint/v3/contenttype/forms">
+  <Display>DocumentLibraryForm</Display>
+  <Edit>DocumentLibraryForm</Edit>
+  <New>DocumentLibraryForm</New>
+</FormTemplates>
+</file>
+
 <file path=customXml/item3.xml><?xml version="1.0" encoding="utf-8"?>
 <p:properties xmlns:p="http://schemas.microsoft.com/office/2006/metadata/properties" xmlns:xsi="http://www.w3.org/2001/XMLSchema-instance" xmlns:pc="http://schemas.microsoft.com/office/infopath/2007/PartnerControls">
   <documentManagement>
@@ -10818,14 +10761,6 @@
 </file>
 
 <file path=customXml/itemProps1.xml><?xml version="1.0" encoding="utf-8"?>
-<ds:datastoreItem xmlns:ds="http://schemas.openxmlformats.org/officeDocument/2006/customXml" ds:itemID="{8CF92924-243E-4C73-8BD6-689D14A495F2}">
-  <ds:schemaRefs>
-    <ds:schemaRef ds:uri="http://schemas.microsoft.com/sharepoint/v3/contenttype/forms"/>
-  </ds:schemaRefs>
-</ds:datastoreItem>
-</file>
-
-<file path=customXml/itemProps2.xml><?xml version="1.0" encoding="utf-8"?>
 <ds:datastoreItem xmlns:ds="http://schemas.openxmlformats.org/officeDocument/2006/customXml" ds:itemID="{0D54F37A-6805-42D4-9FB4-3CFF01A7B973}">
   <ds:schemaRefs>
     <ds:schemaRef ds:uri="http://schemas.microsoft.com/office/2006/metadata/contentType"/>
@@ -10846,6 +10781,14 @@
 </ds:datastoreItem>
 </file>
 
+<file path=customXml/itemProps2.xml><?xml version="1.0" encoding="utf-8"?>
+<ds:datastoreItem xmlns:ds="http://schemas.openxmlformats.org/officeDocument/2006/customXml" ds:itemID="{8CF92924-243E-4C73-8BD6-689D14A495F2}">
+  <ds:schemaRefs>
+    <ds:schemaRef ds:uri="http://schemas.microsoft.com/sharepoint/v3/contenttype/forms"/>
+  </ds:schemaRefs>
+</ds:datastoreItem>
+</file>
+
 <file path=customXml/itemProps3.xml><?xml version="1.0" encoding="utf-8"?>
 <ds:datastoreItem xmlns:ds="http://schemas.openxmlformats.org/officeDocument/2006/customXml" ds:itemID="{51D389B5-45E8-4EA7-B5A7-604FF249CF70}">
   <ds:schemaRefs>

--- a/OpenPlazaCS360Lab/Presentations/OpenPlaza.pptx
+++ b/OpenPlazaCS360Lab/Presentations/OpenPlaza.pptx
@@ -8971,7 +8971,7 @@
           <a:p>
             <a:r>
               <a:rPr lang="en-US" dirty="0"/>
-              <a:t>Current Expected Challenges</a:t>
+              <a:t>Progress to be made</a:t>
             </a:r>
           </a:p>
         </p:txBody>
@@ -9025,7 +9025,20 @@
             </a:pPr>
             <a:r>
               <a:rPr lang="en-US" sz="2400" dirty="0"/>
-              <a:t>Finalizing construction of backend.</a:t>
+              <a:t>Finalizing structure of database.</a:t>
+            </a:r>
+          </a:p>
+          <a:p>
+            <a:endParaRPr lang="en-US" sz="2400" dirty="0"/>
+          </a:p>
+          <a:p>
+            <a:pPr marL="342900" indent="-342900">
+              <a:buFont typeface="Arial" panose="020B0604020202020204" pitchFamily="34" charset="0"/>
+              <a:buChar char="•"/>
+            </a:pPr>
+            <a:r>
+              <a:rPr lang="en-US" sz="2400" dirty="0"/>
+              <a:t>Improving user security.</a:t>
             </a:r>
           </a:p>
           <a:p>
@@ -9042,27 +9055,8 @@
             </a:pPr>
             <a:r>
               <a:rPr lang="en-US" sz="2400" dirty="0"/>
-              <a:t>Conflicts using the app in cross-platform environments.</a:t>
-            </a:r>
-          </a:p>
-          <a:p>
-            <a:endParaRPr lang="en-US" sz="2400" dirty="0"/>
-          </a:p>
-          <a:p>
-            <a:pPr marL="342900" indent="-342900">
-              <a:buFont typeface="Arial" panose="020B0604020202020204" pitchFamily="34" charset="0"/>
-              <a:buChar char="•"/>
-            </a:pPr>
-            <a:r>
-              <a:rPr lang="en-US" sz="2400" dirty="0"/>
-              <a:t>Improving user security.</a:t>
-            </a:r>
-          </a:p>
-          <a:p>
-            <a:pPr marL="342900" indent="-342900">
-              <a:buFont typeface="Arial" panose="020B0604020202020204" pitchFamily="34" charset="0"/>
-              <a:buChar char="•"/>
-            </a:pPr>
+              <a:t>Development of administrator tools.</a:t>
+            </a:r>
             <a:endParaRPr lang="en-US" dirty="0"/>
           </a:p>
           <a:p>
@@ -10420,6 +10414,15 @@
 </file>
 
 <file path=customXml/item1.xml><?xml version="1.0" encoding="utf-8"?>
+<?mso-contentType ?>
+<FormTemplates xmlns="http://schemas.microsoft.com/sharepoint/v3/contenttype/forms">
+  <Display>DocumentLibraryForm</Display>
+  <Edit>DocumentLibraryForm</Edit>
+  <New>DocumentLibraryForm</New>
+</FormTemplates>
+</file>
+
+<file path=customXml/item2.xml><?xml version="1.0" encoding="utf-8"?>
 <ct:contentTypeSchema xmlns:ct="http://schemas.microsoft.com/office/2006/metadata/contentType" xmlns:ma="http://schemas.microsoft.com/office/2006/metadata/properties/metaAttributes" ct:_="" ma:_="" ma:contentTypeName="Document" ma:contentTypeID="0x01010079F111ED35F8CC479449609E8A0923A6" ma:contentTypeVersion="28" ma:contentTypeDescription="Create a new document." ma:contentTypeScope="" ma:versionID="60f5a4f2d2b0abadcf532d48ebf9cb71">
   <xsd:schema xmlns:xsd="http://www.w3.org/2001/XMLSchema" xmlns:xs="http://www.w3.org/2001/XMLSchema" xmlns:p="http://schemas.microsoft.com/office/2006/metadata/properties" xmlns:ns1="http://schemas.microsoft.com/sharepoint/v3" xmlns:ns2="71af3243-3dd4-4a8d-8c0d-dd76da1f02a5" xmlns:ns3="16c05727-aa75-4e4a-9b5f-8a80a1165891" xmlns:ns4="230e9df3-be65-4c73-a93b-d1236ebd677e" targetNamespace="http://schemas.microsoft.com/office/2006/metadata/properties" ma:root="true" ma:fieldsID="7dd78129e6a1811f84807ad11c651531" ns1:_="" ns2:_="" ns3:_="" ns4:_="">
     <xsd:import namespace="http://schemas.microsoft.com/sharepoint/v3"/>
@@ -10731,15 +10734,6 @@
 </ct:contentTypeSchema>
 </file>
 
-<file path=customXml/item2.xml><?xml version="1.0" encoding="utf-8"?>
-<?mso-contentType ?>
-<FormTemplates xmlns="http://schemas.microsoft.com/sharepoint/v3/contenttype/forms">
-  <Display>DocumentLibraryForm</Display>
-  <Edit>DocumentLibraryForm</Edit>
-  <New>DocumentLibraryForm</New>
-</FormTemplates>
-</file>
-
 <file path=customXml/item3.xml><?xml version="1.0" encoding="utf-8"?>
 <p:properties xmlns:p="http://schemas.microsoft.com/office/2006/metadata/properties" xmlns:xsi="http://www.w3.org/2001/XMLSchema-instance" xmlns:pc="http://schemas.microsoft.com/office/infopath/2007/PartnerControls">
   <documentManagement>
@@ -10761,6 +10755,14 @@
 </file>
 
 <file path=customXml/itemProps1.xml><?xml version="1.0" encoding="utf-8"?>
+<ds:datastoreItem xmlns:ds="http://schemas.openxmlformats.org/officeDocument/2006/customXml" ds:itemID="{8CF92924-243E-4C73-8BD6-689D14A495F2}">
+  <ds:schemaRefs>
+    <ds:schemaRef ds:uri="http://schemas.microsoft.com/sharepoint/v3/contenttype/forms"/>
+  </ds:schemaRefs>
+</ds:datastoreItem>
+</file>
+
+<file path=customXml/itemProps2.xml><?xml version="1.0" encoding="utf-8"?>
 <ds:datastoreItem xmlns:ds="http://schemas.openxmlformats.org/officeDocument/2006/customXml" ds:itemID="{0D54F37A-6805-42D4-9FB4-3CFF01A7B973}">
   <ds:schemaRefs>
     <ds:schemaRef ds:uri="http://schemas.microsoft.com/office/2006/metadata/contentType"/>
@@ -10781,14 +10783,6 @@
 </ds:datastoreItem>
 </file>
 
-<file path=customXml/itemProps2.xml><?xml version="1.0" encoding="utf-8"?>
-<ds:datastoreItem xmlns:ds="http://schemas.openxmlformats.org/officeDocument/2006/customXml" ds:itemID="{8CF92924-243E-4C73-8BD6-689D14A495F2}">
-  <ds:schemaRefs>
-    <ds:schemaRef ds:uri="http://schemas.microsoft.com/sharepoint/v3/contenttype/forms"/>
-  </ds:schemaRefs>
-</ds:datastoreItem>
-</file>
-
 <file path=customXml/itemProps3.xml><?xml version="1.0" encoding="utf-8"?>
 <ds:datastoreItem xmlns:ds="http://schemas.openxmlformats.org/officeDocument/2006/customXml" ds:itemID="{51D389B5-45E8-4EA7-B5A7-604FF249CF70}">
   <ds:schemaRefs>

--- a/OpenPlazaCS360Lab/Presentations/OpenPlaza.pptx
+++ b/OpenPlazaCS360Lab/Presentations/OpenPlaza.pptx
@@ -5,10 +5,10 @@
     <p:sldMasterId id="2147483747" r:id="rId4"/>
   </p:sldMasterIdLst>
   <p:notesMasterIdLst>
-    <p:notesMasterId r:id="rId13"/>
+    <p:notesMasterId r:id="rId14"/>
   </p:notesMasterIdLst>
   <p:handoutMasterIdLst>
-    <p:handoutMasterId r:id="rId14"/>
+    <p:handoutMasterId r:id="rId15"/>
   </p:handoutMasterIdLst>
   <p:sldIdLst>
     <p:sldId id="296" r:id="rId5"/>
@@ -18,7 +18,8 @@
     <p:sldId id="327" r:id="rId9"/>
     <p:sldId id="323" r:id="rId10"/>
     <p:sldId id="322" r:id="rId11"/>
-    <p:sldId id="321" r:id="rId12"/>
+    <p:sldId id="328" r:id="rId12"/>
+    <p:sldId id="321" r:id="rId13"/>
   </p:sldIdLst>
   <p:sldSz cx="12192000" cy="6858000"/>
   <p:notesSz cx="6858000" cy="9144000"/>
@@ -8522,7 +8523,7 @@
             </a:pPr>
             <a:r>
               <a:rPr lang="en-US" sz="2400" dirty="0"/>
-              <a:t>PHP/MySQL for backend database administration and organization.</a:t>
+              <a:t>PHP/SQL for backend database connection and organization.</a:t>
             </a:r>
           </a:p>
           <a:p>
@@ -9243,6 +9244,75 @@
         <p:cNvPr id="1" name="">
           <a:extLst>
             <a:ext uri="{FF2B5EF4-FFF2-40B4-BE49-F238E27FC236}">
+              <a16:creationId xmlns:a16="http://schemas.microsoft.com/office/drawing/2014/main" id="{A0560F54-FD97-A2B8-96E8-482801411455}"/>
+            </a:ext>
+          </a:extLst>
+        </p:cNvPr>
+        <p:cNvGrpSpPr/>
+        <p:nvPr/>
+      </p:nvGrpSpPr>
+      <p:grpSpPr>
+        <a:xfrm>
+          <a:off x="0" y="0"/>
+          <a:ext cx="0" cy="0"/>
+          <a:chOff x="0" y="0"/>
+          <a:chExt cx="0" cy="0"/>
+        </a:xfrm>
+      </p:grpSpPr>
+      <p:sp>
+        <p:nvSpPr>
+          <p:cNvPr id="2" name="Title 1">
+            <a:extLst>
+              <a:ext uri="{FF2B5EF4-FFF2-40B4-BE49-F238E27FC236}">
+                <a16:creationId xmlns:a16="http://schemas.microsoft.com/office/drawing/2014/main" id="{850D1555-100E-3B80-3EBC-E7F464EEF835}"/>
+              </a:ext>
+            </a:extLst>
+          </p:cNvPr>
+          <p:cNvSpPr>
+            <a:spLocks noGrp="1"/>
+          </p:cNvSpPr>
+          <p:nvPr>
+            <p:ph type="title"/>
+          </p:nvPr>
+        </p:nvSpPr>
+        <p:spPr>
+          <a:xfrm>
+            <a:off x="-1659685" y="2624328"/>
+            <a:ext cx="10241280" cy="1234440"/>
+          </a:xfrm>
+        </p:spPr>
+        <p:txBody>
+          <a:bodyPr/>
+          <a:lstStyle/>
+          <a:p>
+            <a:r>
+              <a:rPr lang="en-US" dirty="0"/>
+              <a:t>Demonstration</a:t>
+            </a:r>
+          </a:p>
+        </p:txBody>
+      </p:sp>
+    </p:spTree>
+    <p:extLst>
+      <p:ext uri="{BB962C8B-B14F-4D97-AF65-F5344CB8AC3E}">
+        <p14:creationId xmlns:p14="http://schemas.microsoft.com/office/powerpoint/2010/main" val="486846729"/>
+      </p:ext>
+    </p:extLst>
+  </p:cSld>
+  <p:clrMapOvr>
+    <a:masterClrMapping/>
+  </p:clrMapOvr>
+</p:sld>
+</file>
+
+<file path=ppt/slides/slide9.xml><?xml version="1.0" encoding="utf-8"?>
+<p:sld xmlns:a="http://schemas.openxmlformats.org/drawingml/2006/main" xmlns:r="http://schemas.openxmlformats.org/officeDocument/2006/relationships" xmlns:p="http://schemas.openxmlformats.org/presentationml/2006/main">
+  <p:cSld>
+    <p:spTree>
+      <p:nvGrpSpPr>
+        <p:cNvPr id="1" name="">
+          <a:extLst>
+            <a:ext uri="{FF2B5EF4-FFF2-40B4-BE49-F238E27FC236}">
               <a16:creationId xmlns:a16="http://schemas.microsoft.com/office/drawing/2014/main" id="{F640B65A-48E2-3B22-1E89-2566FE63E01E}"/>
             </a:ext>
           </a:extLst>
@@ -9310,7 +9380,7 @@
             <a:fld id="{C01389E6-C847-4AD0-B56D-D205B2EAB1EE}" type="slidenum">
               <a:rPr lang="en-US" smtClean="0"/>
               <a:pPr/>
-              <a:t>8</a:t>
+              <a:t>9</a:t>
             </a:fld>
             <a:endParaRPr lang="en-US" dirty="0"/>
           </a:p>
